--- a/BaoCaoPP.pptx
+++ b/BaoCaoPP.pptx
@@ -43871,24 +43871,23 @@
             <p:ph type="subTitle" idx="1"/>
           </p:nvPr>
         </p:nvSpPr>
-        <p:spPr/>
+        <p:spPr>
+          <a:xfrm>
+            <a:off x="4040659" y="1927654"/>
+            <a:ext cx="3831391" cy="1533271"/>
+          </a:xfrm>
+        </p:spPr>
         <p:txBody>
           <a:bodyPr/>
           <a:lstStyle/>
           <a:p>
             <a:r>
-              <a:rPr lang="en-US"/>
-              <a:t>Link design figma</a:t>
-            </a:r>
-          </a:p>
-          <a:p>
-            <a:r>
               <a:rPr lang="en-US">
                 <a:hlinkClick r:id="rId2"/>
               </a:rPr>
-              <a:t>LOG IN – Figma</a:t>
+              <a:t>https://www.figma.com/design/b6mjZ96w26KcZR1emADOqv/LOG-IN?node-id=0-1&amp;node-type=canvas&amp;t=xqyD7c11PlDzhfRP-0</a:t>
             </a:r>
-            <a:endParaRPr lang="en-US" b="1"/>
+            <a:endParaRPr lang="en-US"/>
           </a:p>
         </p:txBody>
       </p:sp>
